--- a/Write_up/projectSummary.pptx
+++ b/Write_up/projectSummary.pptx
@@ -24,6 +24,7 @@
     <p:sldId id="271" r:id="rId18"/>
     <p:sldId id="272" r:id="rId19"/>
     <p:sldId id="273" r:id="rId20"/>
+    <p:sldId id="275" r:id="rId21"/>
   </p:sldIdLst>
   <p:sldSz cx="12192000" cy="6858000"/>
   <p:notesSz cx="6858000" cy="9144000"/>
@@ -277,7 +278,7 @@
           <a:p>
             <a:fld id="{E2213483-87E8-4ADE-BA5A-604F4DBDCEE6}" type="datetimeFigureOut">
               <a:rPr lang="en-US" smtClean="0"/>
-              <a:t>8/27/2024</a:t>
+              <a:t>11/8/2024</a:t>
             </a:fld>
             <a:endParaRPr lang="en-US"/>
           </a:p>
@@ -475,7 +476,7 @@
           <a:p>
             <a:fld id="{E2213483-87E8-4ADE-BA5A-604F4DBDCEE6}" type="datetimeFigureOut">
               <a:rPr lang="en-US" smtClean="0"/>
-              <a:t>8/27/2024</a:t>
+              <a:t>11/8/2024</a:t>
             </a:fld>
             <a:endParaRPr lang="en-US"/>
           </a:p>
@@ -683,7 +684,7 @@
           <a:p>
             <a:fld id="{E2213483-87E8-4ADE-BA5A-604F4DBDCEE6}" type="datetimeFigureOut">
               <a:rPr lang="en-US" smtClean="0"/>
-              <a:t>8/27/2024</a:t>
+              <a:t>11/8/2024</a:t>
             </a:fld>
             <a:endParaRPr lang="en-US"/>
           </a:p>
@@ -881,7 +882,7 @@
           <a:p>
             <a:fld id="{E2213483-87E8-4ADE-BA5A-604F4DBDCEE6}" type="datetimeFigureOut">
               <a:rPr lang="en-US" smtClean="0"/>
-              <a:t>8/27/2024</a:t>
+              <a:t>11/8/2024</a:t>
             </a:fld>
             <a:endParaRPr lang="en-US"/>
           </a:p>
@@ -1156,7 +1157,7 @@
           <a:p>
             <a:fld id="{E2213483-87E8-4ADE-BA5A-604F4DBDCEE6}" type="datetimeFigureOut">
               <a:rPr lang="en-US" smtClean="0"/>
-              <a:t>8/27/2024</a:t>
+              <a:t>11/8/2024</a:t>
             </a:fld>
             <a:endParaRPr lang="en-US"/>
           </a:p>
@@ -1421,7 +1422,7 @@
           <a:p>
             <a:fld id="{E2213483-87E8-4ADE-BA5A-604F4DBDCEE6}" type="datetimeFigureOut">
               <a:rPr lang="en-US" smtClean="0"/>
-              <a:t>8/27/2024</a:t>
+              <a:t>11/8/2024</a:t>
             </a:fld>
             <a:endParaRPr lang="en-US"/>
           </a:p>
@@ -1833,7 +1834,7 @@
           <a:p>
             <a:fld id="{E2213483-87E8-4ADE-BA5A-604F4DBDCEE6}" type="datetimeFigureOut">
               <a:rPr lang="en-US" smtClean="0"/>
-              <a:t>8/27/2024</a:t>
+              <a:t>11/8/2024</a:t>
             </a:fld>
             <a:endParaRPr lang="en-US"/>
           </a:p>
@@ -1974,7 +1975,7 @@
           <a:p>
             <a:fld id="{E2213483-87E8-4ADE-BA5A-604F4DBDCEE6}" type="datetimeFigureOut">
               <a:rPr lang="en-US" smtClean="0"/>
-              <a:t>8/27/2024</a:t>
+              <a:t>11/8/2024</a:t>
             </a:fld>
             <a:endParaRPr lang="en-US"/>
           </a:p>
@@ -2087,7 +2088,7 @@
           <a:p>
             <a:fld id="{E2213483-87E8-4ADE-BA5A-604F4DBDCEE6}" type="datetimeFigureOut">
               <a:rPr lang="en-US" smtClean="0"/>
-              <a:t>8/27/2024</a:t>
+              <a:t>11/8/2024</a:t>
             </a:fld>
             <a:endParaRPr lang="en-US"/>
           </a:p>
@@ -2398,7 +2399,7 @@
           <a:p>
             <a:fld id="{E2213483-87E8-4ADE-BA5A-604F4DBDCEE6}" type="datetimeFigureOut">
               <a:rPr lang="en-US" smtClean="0"/>
-              <a:t>8/27/2024</a:t>
+              <a:t>11/8/2024</a:t>
             </a:fld>
             <a:endParaRPr lang="en-US"/>
           </a:p>
@@ -2686,7 +2687,7 @@
           <a:p>
             <a:fld id="{E2213483-87E8-4ADE-BA5A-604F4DBDCEE6}" type="datetimeFigureOut">
               <a:rPr lang="en-US" smtClean="0"/>
-              <a:t>8/27/2024</a:t>
+              <a:t>11/8/2024</a:t>
             </a:fld>
             <a:endParaRPr lang="en-US"/>
           </a:p>
@@ -2927,7 +2928,7 @@
           <a:p>
             <a:fld id="{E2213483-87E8-4ADE-BA5A-604F4DBDCEE6}" type="datetimeFigureOut">
               <a:rPr lang="en-US" smtClean="0"/>
-              <a:t>8/27/2024</a:t>
+              <a:t>11/8/2024</a:t>
             </a:fld>
             <a:endParaRPr lang="en-US"/>
           </a:p>
@@ -6389,6 +6390,36 @@
     <p:extLst>
       <p:ext uri="{BB962C8B-B14F-4D97-AF65-F5344CB8AC3E}">
         <p14:creationId xmlns:p14="http://schemas.microsoft.com/office/powerpoint/2010/main" val="3495761989"/>
+      </p:ext>
+    </p:extLst>
+  </p:cSld>
+  <p:clrMapOvr>
+    <a:masterClrMapping/>
+  </p:clrMapOvr>
+</p:sld>
+</file>
+
+<file path=ppt/slides/slide20.xml><?xml version="1.0" encoding="utf-8"?>
+<p:sld xmlns:a="http://schemas.openxmlformats.org/drawingml/2006/main" xmlns:r="http://schemas.openxmlformats.org/officeDocument/2006/relationships" xmlns:p="http://schemas.openxmlformats.org/presentationml/2006/main">
+  <p:cSld>
+    <p:spTree>
+      <p:nvGrpSpPr>
+        <p:cNvPr id="1" name=""/>
+        <p:cNvGrpSpPr/>
+        <p:nvPr/>
+      </p:nvGrpSpPr>
+      <p:grpSpPr>
+        <a:xfrm>
+          <a:off x="0" y="0"/>
+          <a:ext cx="0" cy="0"/>
+          <a:chOff x="0" y="0"/>
+          <a:chExt cx="0" cy="0"/>
+        </a:xfrm>
+      </p:grpSpPr>
+    </p:spTree>
+    <p:extLst>
+      <p:ext uri="{BB962C8B-B14F-4D97-AF65-F5344CB8AC3E}">
+        <p14:creationId xmlns:p14="http://schemas.microsoft.com/office/powerpoint/2010/main" val="2012009537"/>
       </p:ext>
     </p:extLst>
   </p:cSld>
